--- a/5. Machine Learning in Python/Case Study 1 - Simple Linear Regression - Intuition.pptx
+++ b/5. Machine Learning in Python/Case Study 1 - Simple Linear Regression - Intuition.pptx
@@ -212,7 +212,7 @@
           <a:p>
             <a:fld id="{4EB26B05-8AC1-4E0B-A3B8-236B9C8A91A0}" type="datetimeFigureOut">
               <a:rPr lang="en-CA" smtClean="0"/>
-              <a:t>2018-12-19</a:t>
+              <a:t>2020-04-17</a:t>
             </a:fld>
             <a:endParaRPr lang="en-CA"/>
           </a:p>
@@ -276,35 +276,35 @@
           <a:p>
             <a:pPr lvl="0"/>
             <a:r>
-              <a:rPr lang="en-US" smtClean="0"/>
+              <a:rPr lang="en-US"/>
               <a:t>Click to edit Master text styles</a:t>
             </a:r>
           </a:p>
           <a:p>
             <a:pPr lvl="1"/>
             <a:r>
-              <a:rPr lang="en-US" smtClean="0"/>
+              <a:rPr lang="en-US"/>
               <a:t>Second level</a:t>
             </a:r>
           </a:p>
           <a:p>
             <a:pPr lvl="2"/>
             <a:r>
-              <a:rPr lang="en-US" smtClean="0"/>
+              <a:rPr lang="en-US"/>
               <a:t>Third level</a:t>
             </a:r>
           </a:p>
           <a:p>
             <a:pPr lvl="3"/>
             <a:r>
-              <a:rPr lang="en-US" smtClean="0"/>
+              <a:rPr lang="en-US"/>
               <a:t>Fourth level</a:t>
             </a:r>
           </a:p>
           <a:p>
             <a:pPr lvl="4"/>
             <a:r>
-              <a:rPr lang="en-US" smtClean="0"/>
+              <a:rPr lang="en-US"/>
               <a:t>Fifth level</a:t>
             </a:r>
             <a:endParaRPr lang="en-CA"/>
@@ -948,10 +948,9 @@
           <a:lstStyle/>
           <a:p>
             <a:r>
-              <a:rPr lang="en-US" smtClean="0"/>
+              <a:rPr lang="en-US"/>
               <a:t>Click to edit Master title style</a:t>
             </a:r>
-            <a:endParaRPr lang="en-US"/>
           </a:p>
         </p:txBody>
       </p:sp>
@@ -1067,10 +1066,9 @@
           </a:lstStyle>
           <a:p>
             <a:r>
-              <a:rPr lang="en-US" smtClean="0"/>
+              <a:rPr lang="en-US"/>
               <a:t>Click to edit Master subtitle style</a:t>
             </a:r>
-            <a:endParaRPr lang="en-US"/>
           </a:p>
         </p:txBody>
       </p:sp>
@@ -1091,7 +1089,7 @@
           <a:p>
             <a:fld id="{F7F5A5AA-69D5-4933-A4C2-31B04EBDF0FE}" type="datetime1">
               <a:rPr lang="en-US" smtClean="0"/>
-              <a:t>12/19/2018</a:t>
+              <a:t>4/17/20</a:t>
             </a:fld>
             <a:endParaRPr lang="en-US"/>
           </a:p>
@@ -1113,7 +1111,7 @@
           <a:lstStyle/>
           <a:p>
             <a:r>
-              <a:rPr lang="en-CA" smtClean="0"/>
+              <a:rPr lang="en-CA"/>
               <a:t>Control of Electric Vehicles</a:t>
             </a:r>
             <a:endParaRPr lang="en-US"/>
@@ -1185,10 +1183,9 @@
           <a:lstStyle/>
           <a:p>
             <a:r>
-              <a:rPr lang="en-US" smtClean="0"/>
+              <a:rPr lang="en-US"/>
               <a:t>Click to edit Master title style</a:t>
             </a:r>
-            <a:endParaRPr lang="en-US"/>
           </a:p>
         </p:txBody>
       </p:sp>
@@ -1209,38 +1206,37 @@
           <a:p>
             <a:pPr lvl="0"/>
             <a:r>
-              <a:rPr lang="en-US" smtClean="0"/>
+              <a:rPr lang="en-US"/>
               <a:t>Click to edit Master text styles</a:t>
             </a:r>
           </a:p>
           <a:p>
             <a:pPr lvl="1"/>
             <a:r>
-              <a:rPr lang="en-US" smtClean="0"/>
+              <a:rPr lang="en-US"/>
               <a:t>Second level</a:t>
             </a:r>
           </a:p>
           <a:p>
             <a:pPr lvl="2"/>
             <a:r>
-              <a:rPr lang="en-US" smtClean="0"/>
+              <a:rPr lang="en-US"/>
               <a:t>Third level</a:t>
             </a:r>
           </a:p>
           <a:p>
             <a:pPr lvl="3"/>
             <a:r>
-              <a:rPr lang="en-US" smtClean="0"/>
+              <a:rPr lang="en-US"/>
               <a:t>Fourth level</a:t>
             </a:r>
           </a:p>
           <a:p>
             <a:pPr lvl="4"/>
             <a:r>
-              <a:rPr lang="en-US" smtClean="0"/>
+              <a:rPr lang="en-US"/>
               <a:t>Fifth level</a:t>
             </a:r>
-            <a:endParaRPr lang="en-US"/>
           </a:p>
         </p:txBody>
       </p:sp>
@@ -1261,7 +1257,7 @@
           <a:p>
             <a:fld id="{9D3398E5-BC60-4CD4-9104-1F07995282A6}" type="datetime1">
               <a:rPr lang="en-US" smtClean="0"/>
-              <a:t>12/19/2018</a:t>
+              <a:t>4/17/20</a:t>
             </a:fld>
             <a:endParaRPr lang="en-US"/>
           </a:p>
@@ -1283,7 +1279,7 @@
           <a:lstStyle/>
           <a:p>
             <a:r>
-              <a:rPr lang="en-CA" smtClean="0"/>
+              <a:rPr lang="en-CA"/>
               <a:t>Control of Electric Vehicles</a:t>
             </a:r>
             <a:endParaRPr lang="en-US"/>
@@ -1360,10 +1356,9 @@
           <a:lstStyle/>
           <a:p>
             <a:r>
-              <a:rPr lang="en-US" smtClean="0"/>
+              <a:rPr lang="en-US"/>
               <a:t>Click to edit Master title style</a:t>
             </a:r>
-            <a:endParaRPr lang="en-US"/>
           </a:p>
         </p:txBody>
       </p:sp>
@@ -1389,38 +1384,37 @@
           <a:p>
             <a:pPr lvl="0"/>
             <a:r>
-              <a:rPr lang="en-US" smtClean="0"/>
+              <a:rPr lang="en-US"/>
               <a:t>Click to edit Master text styles</a:t>
             </a:r>
           </a:p>
           <a:p>
             <a:pPr lvl="1"/>
             <a:r>
-              <a:rPr lang="en-US" smtClean="0"/>
+              <a:rPr lang="en-US"/>
               <a:t>Second level</a:t>
             </a:r>
           </a:p>
           <a:p>
             <a:pPr lvl="2"/>
             <a:r>
-              <a:rPr lang="en-US" smtClean="0"/>
+              <a:rPr lang="en-US"/>
               <a:t>Third level</a:t>
             </a:r>
           </a:p>
           <a:p>
             <a:pPr lvl="3"/>
             <a:r>
-              <a:rPr lang="en-US" smtClean="0"/>
+              <a:rPr lang="en-US"/>
               <a:t>Fourth level</a:t>
             </a:r>
           </a:p>
           <a:p>
             <a:pPr lvl="4"/>
             <a:r>
-              <a:rPr lang="en-US" smtClean="0"/>
+              <a:rPr lang="en-US"/>
               <a:t>Fifth level</a:t>
             </a:r>
-            <a:endParaRPr lang="en-US"/>
           </a:p>
         </p:txBody>
       </p:sp>
@@ -1441,7 +1435,7 @@
           <a:p>
             <a:fld id="{9ED436BF-9F11-40A1-9525-9D44733D4299}" type="datetime1">
               <a:rPr lang="en-US" smtClean="0"/>
-              <a:t>12/19/2018</a:t>
+              <a:t>4/17/20</a:t>
             </a:fld>
             <a:endParaRPr lang="en-US"/>
           </a:p>
@@ -1463,7 +1457,7 @@
           <a:lstStyle/>
           <a:p>
             <a:r>
-              <a:rPr lang="en-CA" smtClean="0"/>
+              <a:rPr lang="en-CA"/>
               <a:t>Control of Electric Vehicles</a:t>
             </a:r>
             <a:endParaRPr lang="en-US"/>
@@ -1565,10 +1559,9 @@
           <a:lstStyle/>
           <a:p>
             <a:r>
-              <a:rPr lang="en-US" smtClean="0"/>
+              <a:rPr lang="en-US"/>
               <a:t>Click to edit Master title style</a:t>
             </a:r>
-            <a:endParaRPr lang="en-US"/>
           </a:p>
         </p:txBody>
       </p:sp>
@@ -1589,38 +1582,37 @@
           <a:p>
             <a:pPr lvl="0"/>
             <a:r>
-              <a:rPr lang="en-US" smtClean="0"/>
+              <a:rPr lang="en-US"/>
               <a:t>Click to edit Master text styles</a:t>
             </a:r>
           </a:p>
           <a:p>
             <a:pPr lvl="1"/>
             <a:r>
-              <a:rPr lang="en-US" smtClean="0"/>
+              <a:rPr lang="en-US"/>
               <a:t>Second level</a:t>
             </a:r>
           </a:p>
           <a:p>
             <a:pPr lvl="2"/>
             <a:r>
-              <a:rPr lang="en-US" smtClean="0"/>
+              <a:rPr lang="en-US"/>
               <a:t>Third level</a:t>
             </a:r>
           </a:p>
           <a:p>
             <a:pPr lvl="3"/>
             <a:r>
-              <a:rPr lang="en-US" smtClean="0"/>
+              <a:rPr lang="en-US"/>
               <a:t>Fourth level</a:t>
             </a:r>
           </a:p>
           <a:p>
             <a:pPr lvl="4"/>
             <a:r>
-              <a:rPr lang="en-US" smtClean="0"/>
+              <a:rPr lang="en-US"/>
               <a:t>Fifth level</a:t>
             </a:r>
-            <a:endParaRPr lang="en-US"/>
           </a:p>
         </p:txBody>
       </p:sp>
@@ -1641,7 +1633,7 @@
           <a:p>
             <a:fld id="{8EA19B2C-F822-4B41-BDDD-C06B398C8A0D}" type="datetime1">
               <a:rPr lang="en-US" smtClean="0"/>
-              <a:t>12/19/2018</a:t>
+              <a:t>4/17/20</a:t>
             </a:fld>
             <a:endParaRPr lang="en-US"/>
           </a:p>
@@ -1663,7 +1655,7 @@
           <a:lstStyle/>
           <a:p>
             <a:r>
-              <a:rPr lang="en-CA" smtClean="0"/>
+              <a:rPr lang="en-CA"/>
               <a:t>Control of Electric Vehicles</a:t>
             </a:r>
             <a:endParaRPr lang="en-US"/>
@@ -1744,10 +1736,9 @@
           </a:lstStyle>
           <a:p>
             <a:r>
-              <a:rPr lang="en-US" smtClean="0"/>
+              <a:rPr lang="en-US"/>
               <a:t>Click to edit Master title style</a:t>
             </a:r>
-            <a:endParaRPr lang="en-US"/>
           </a:p>
         </p:txBody>
       </p:sp>
@@ -1864,7 +1855,7 @@
           <a:p>
             <a:pPr lvl="0"/>
             <a:r>
-              <a:rPr lang="en-US" smtClean="0"/>
+              <a:rPr lang="en-US"/>
               <a:t>Click to edit Master text styles</a:t>
             </a:r>
           </a:p>
@@ -1887,7 +1878,7 @@
           <a:p>
             <a:fld id="{48C3A7D8-BC2E-4C3C-AD3E-1EC25EC7A93D}" type="datetime1">
               <a:rPr lang="en-US" smtClean="0"/>
-              <a:t>12/19/2018</a:t>
+              <a:t>4/17/20</a:t>
             </a:fld>
             <a:endParaRPr lang="en-US"/>
           </a:p>
@@ -1909,7 +1900,7 @@
           <a:lstStyle/>
           <a:p>
             <a:r>
-              <a:rPr lang="en-CA" smtClean="0"/>
+              <a:rPr lang="en-CA"/>
               <a:t>Control of Electric Vehicles</a:t>
             </a:r>
             <a:endParaRPr lang="en-US"/>
@@ -1981,10 +1972,9 @@
           <a:lstStyle/>
           <a:p>
             <a:r>
-              <a:rPr lang="en-US" smtClean="0"/>
+              <a:rPr lang="en-US"/>
               <a:t>Click to edit Master title style</a:t>
             </a:r>
-            <a:endParaRPr lang="en-US"/>
           </a:p>
         </p:txBody>
       </p:sp>
@@ -2038,38 +2028,37 @@
           <a:p>
             <a:pPr lvl="0"/>
             <a:r>
-              <a:rPr lang="en-US" smtClean="0"/>
+              <a:rPr lang="en-US"/>
               <a:t>Click to edit Master text styles</a:t>
             </a:r>
           </a:p>
           <a:p>
             <a:pPr lvl="1"/>
             <a:r>
-              <a:rPr lang="en-US" smtClean="0"/>
+              <a:rPr lang="en-US"/>
               <a:t>Second level</a:t>
             </a:r>
           </a:p>
           <a:p>
             <a:pPr lvl="2"/>
             <a:r>
-              <a:rPr lang="en-US" smtClean="0"/>
+              <a:rPr lang="en-US"/>
               <a:t>Third level</a:t>
             </a:r>
           </a:p>
           <a:p>
             <a:pPr lvl="3"/>
             <a:r>
-              <a:rPr lang="en-US" smtClean="0"/>
+              <a:rPr lang="en-US"/>
               <a:t>Fourth level</a:t>
             </a:r>
           </a:p>
           <a:p>
             <a:pPr lvl="4"/>
             <a:r>
-              <a:rPr lang="en-US" smtClean="0"/>
+              <a:rPr lang="en-US"/>
               <a:t>Fifth level</a:t>
             </a:r>
-            <a:endParaRPr lang="en-US"/>
           </a:p>
         </p:txBody>
       </p:sp>
@@ -2123,38 +2112,37 @@
           <a:p>
             <a:pPr lvl="0"/>
             <a:r>
-              <a:rPr lang="en-US" smtClean="0"/>
+              <a:rPr lang="en-US"/>
               <a:t>Click to edit Master text styles</a:t>
             </a:r>
           </a:p>
           <a:p>
             <a:pPr lvl="1"/>
             <a:r>
-              <a:rPr lang="en-US" smtClean="0"/>
+              <a:rPr lang="en-US"/>
               <a:t>Second level</a:t>
             </a:r>
           </a:p>
           <a:p>
             <a:pPr lvl="2"/>
             <a:r>
-              <a:rPr lang="en-US" smtClean="0"/>
+              <a:rPr lang="en-US"/>
               <a:t>Third level</a:t>
             </a:r>
           </a:p>
           <a:p>
             <a:pPr lvl="3"/>
             <a:r>
-              <a:rPr lang="en-US" smtClean="0"/>
+              <a:rPr lang="en-US"/>
               <a:t>Fourth level</a:t>
             </a:r>
           </a:p>
           <a:p>
             <a:pPr lvl="4"/>
             <a:r>
-              <a:rPr lang="en-US" smtClean="0"/>
+              <a:rPr lang="en-US"/>
               <a:t>Fifth level</a:t>
             </a:r>
-            <a:endParaRPr lang="en-US"/>
           </a:p>
         </p:txBody>
       </p:sp>
@@ -2175,7 +2163,7 @@
           <a:p>
             <a:fld id="{2DA5FBF4-B0A3-4B72-AC23-4A5CD24F3750}" type="datetime1">
               <a:rPr lang="en-US" smtClean="0"/>
-              <a:t>12/19/2018</a:t>
+              <a:t>4/17/20</a:t>
             </a:fld>
             <a:endParaRPr lang="en-US"/>
           </a:p>
@@ -2197,7 +2185,7 @@
           <a:lstStyle/>
           <a:p>
             <a:r>
-              <a:rPr lang="en-CA" smtClean="0"/>
+              <a:rPr lang="en-CA"/>
               <a:t>Control of Electric Vehicles</a:t>
             </a:r>
             <a:endParaRPr lang="en-US"/>
@@ -2273,10 +2261,9 @@
           </a:lstStyle>
           <a:p>
             <a:r>
-              <a:rPr lang="en-US" smtClean="0"/>
+              <a:rPr lang="en-US"/>
               <a:t>Click to edit Master title style</a:t>
             </a:r>
-            <a:endParaRPr lang="en-US"/>
           </a:p>
         </p:txBody>
       </p:sp>
@@ -2339,7 +2326,7 @@
           <a:p>
             <a:pPr lvl="0"/>
             <a:r>
-              <a:rPr lang="en-US" smtClean="0"/>
+              <a:rPr lang="en-US"/>
               <a:t>Click to edit Master text styles</a:t>
             </a:r>
           </a:p>
@@ -2395,38 +2382,37 @@
           <a:p>
             <a:pPr lvl="0"/>
             <a:r>
-              <a:rPr lang="en-US" smtClean="0"/>
+              <a:rPr lang="en-US"/>
               <a:t>Click to edit Master text styles</a:t>
             </a:r>
           </a:p>
           <a:p>
             <a:pPr lvl="1"/>
             <a:r>
-              <a:rPr lang="en-US" smtClean="0"/>
+              <a:rPr lang="en-US"/>
               <a:t>Second level</a:t>
             </a:r>
           </a:p>
           <a:p>
             <a:pPr lvl="2"/>
             <a:r>
-              <a:rPr lang="en-US" smtClean="0"/>
+              <a:rPr lang="en-US"/>
               <a:t>Third level</a:t>
             </a:r>
           </a:p>
           <a:p>
             <a:pPr lvl="3"/>
             <a:r>
-              <a:rPr lang="en-US" smtClean="0"/>
+              <a:rPr lang="en-US"/>
               <a:t>Fourth level</a:t>
             </a:r>
           </a:p>
           <a:p>
             <a:pPr lvl="4"/>
             <a:r>
-              <a:rPr lang="en-US" smtClean="0"/>
+              <a:rPr lang="en-US"/>
               <a:t>Fifth level</a:t>
             </a:r>
-            <a:endParaRPr lang="en-US"/>
           </a:p>
         </p:txBody>
       </p:sp>
@@ -2489,7 +2475,7 @@
           <a:p>
             <a:pPr lvl="0"/>
             <a:r>
-              <a:rPr lang="en-US" smtClean="0"/>
+              <a:rPr lang="en-US"/>
               <a:t>Click to edit Master text styles</a:t>
             </a:r>
           </a:p>
@@ -2545,38 +2531,37 @@
           <a:p>
             <a:pPr lvl="0"/>
             <a:r>
-              <a:rPr lang="en-US" smtClean="0"/>
+              <a:rPr lang="en-US"/>
               <a:t>Click to edit Master text styles</a:t>
             </a:r>
           </a:p>
           <a:p>
             <a:pPr lvl="1"/>
             <a:r>
-              <a:rPr lang="en-US" smtClean="0"/>
+              <a:rPr lang="en-US"/>
               <a:t>Second level</a:t>
             </a:r>
           </a:p>
           <a:p>
             <a:pPr lvl="2"/>
             <a:r>
-              <a:rPr lang="en-US" smtClean="0"/>
+              <a:rPr lang="en-US"/>
               <a:t>Third level</a:t>
             </a:r>
           </a:p>
           <a:p>
             <a:pPr lvl="3"/>
             <a:r>
-              <a:rPr lang="en-US" smtClean="0"/>
+              <a:rPr lang="en-US"/>
               <a:t>Fourth level</a:t>
             </a:r>
           </a:p>
           <a:p>
             <a:pPr lvl="4"/>
             <a:r>
-              <a:rPr lang="en-US" smtClean="0"/>
+              <a:rPr lang="en-US"/>
               <a:t>Fifth level</a:t>
             </a:r>
-            <a:endParaRPr lang="en-US"/>
           </a:p>
         </p:txBody>
       </p:sp>
@@ -2597,7 +2582,7 @@
           <a:p>
             <a:fld id="{AC95F765-66F6-4919-A445-096E89A7BAAB}" type="datetime1">
               <a:rPr lang="en-US" smtClean="0"/>
-              <a:t>12/19/2018</a:t>
+              <a:t>4/17/20</a:t>
             </a:fld>
             <a:endParaRPr lang="en-US"/>
           </a:p>
@@ -2619,7 +2604,7 @@
           <a:lstStyle/>
           <a:p>
             <a:r>
-              <a:rPr lang="en-CA" smtClean="0"/>
+              <a:rPr lang="en-CA"/>
               <a:t>Control of Electric Vehicles</a:t>
             </a:r>
             <a:endParaRPr lang="en-US"/>
@@ -2691,10 +2676,9 @@
           <a:lstStyle/>
           <a:p>
             <a:r>
-              <a:rPr lang="en-US" smtClean="0"/>
+              <a:rPr lang="en-US"/>
               <a:t>Click to edit Master title style</a:t>
             </a:r>
-            <a:endParaRPr lang="en-US"/>
           </a:p>
         </p:txBody>
       </p:sp>
@@ -2715,7 +2699,7 @@
           <a:p>
             <a:fld id="{F41A1BFB-0BCA-43B7-BD7B-39CEB48F2525}" type="datetime1">
               <a:rPr lang="en-US" smtClean="0"/>
-              <a:t>12/19/2018</a:t>
+              <a:t>4/17/20</a:t>
             </a:fld>
             <a:endParaRPr lang="en-US"/>
           </a:p>
@@ -2737,7 +2721,7 @@
           <a:lstStyle/>
           <a:p>
             <a:r>
-              <a:rPr lang="en-CA" smtClean="0"/>
+              <a:rPr lang="en-CA"/>
               <a:t>Control of Electric Vehicles</a:t>
             </a:r>
             <a:endParaRPr lang="en-US"/>
@@ -2810,7 +2794,7 @@
           <a:p>
             <a:fld id="{929343F5-0288-47DD-B910-BC1133EE387E}" type="datetime1">
               <a:rPr lang="en-US" smtClean="0"/>
-              <a:t>12/19/2018</a:t>
+              <a:t>4/17/20</a:t>
             </a:fld>
             <a:endParaRPr lang="en-US"/>
           </a:p>
@@ -2832,7 +2816,7 @@
           <a:lstStyle/>
           <a:p>
             <a:r>
-              <a:rPr lang="en-CA" smtClean="0"/>
+              <a:rPr lang="en-CA"/>
               <a:t>Control of Electric Vehicles</a:t>
             </a:r>
             <a:endParaRPr lang="en-US"/>
@@ -2913,10 +2897,9 @@
           </a:lstStyle>
           <a:p>
             <a:r>
-              <a:rPr lang="en-US" smtClean="0"/>
+              <a:rPr lang="en-US"/>
               <a:t>Click to edit Master title style</a:t>
             </a:r>
-            <a:endParaRPr lang="en-US"/>
           </a:p>
         </p:txBody>
       </p:sp>
@@ -2970,38 +2953,37 @@
           <a:p>
             <a:pPr lvl="0"/>
             <a:r>
-              <a:rPr lang="en-US" smtClean="0"/>
+              <a:rPr lang="en-US"/>
               <a:t>Click to edit Master text styles</a:t>
             </a:r>
           </a:p>
           <a:p>
             <a:pPr lvl="1"/>
             <a:r>
-              <a:rPr lang="en-US" smtClean="0"/>
+              <a:rPr lang="en-US"/>
               <a:t>Second level</a:t>
             </a:r>
           </a:p>
           <a:p>
             <a:pPr lvl="2"/>
             <a:r>
-              <a:rPr lang="en-US" smtClean="0"/>
+              <a:rPr lang="en-US"/>
               <a:t>Third level</a:t>
             </a:r>
           </a:p>
           <a:p>
             <a:pPr lvl="3"/>
             <a:r>
-              <a:rPr lang="en-US" smtClean="0"/>
+              <a:rPr lang="en-US"/>
               <a:t>Fourth level</a:t>
             </a:r>
           </a:p>
           <a:p>
             <a:pPr lvl="4"/>
             <a:r>
-              <a:rPr lang="en-US" smtClean="0"/>
+              <a:rPr lang="en-US"/>
               <a:t>Fifth level</a:t>
             </a:r>
-            <a:endParaRPr lang="en-US"/>
           </a:p>
         </p:txBody>
       </p:sp>
@@ -3064,7 +3046,7 @@
           <a:p>
             <a:pPr lvl="0"/>
             <a:r>
-              <a:rPr lang="en-US" smtClean="0"/>
+              <a:rPr lang="en-US"/>
               <a:t>Click to edit Master text styles</a:t>
             </a:r>
           </a:p>
@@ -3087,7 +3069,7 @@
           <a:p>
             <a:fld id="{1257B485-DB6D-4EC3-86C8-B75072A9223B}" type="datetime1">
               <a:rPr lang="en-US" smtClean="0"/>
-              <a:t>12/19/2018</a:t>
+              <a:t>4/17/20</a:t>
             </a:fld>
             <a:endParaRPr lang="en-US"/>
           </a:p>
@@ -3109,7 +3091,7 @@
           <a:lstStyle/>
           <a:p>
             <a:r>
-              <a:rPr lang="en-CA" smtClean="0"/>
+              <a:rPr lang="en-CA"/>
               <a:t>Control of Electric Vehicles</a:t>
             </a:r>
             <a:endParaRPr lang="en-US"/>
@@ -3190,10 +3172,9 @@
           </a:lstStyle>
           <a:p>
             <a:r>
-              <a:rPr lang="en-US" smtClean="0"/>
+              <a:rPr lang="en-US"/>
               <a:t>Click to edit Master title style</a:t>
             </a:r>
-            <a:endParaRPr lang="en-US"/>
           </a:p>
         </p:txBody>
       </p:sp>
@@ -3317,7 +3298,7 @@
           <a:p>
             <a:pPr lvl="0"/>
             <a:r>
-              <a:rPr lang="en-US" smtClean="0"/>
+              <a:rPr lang="en-US"/>
               <a:t>Click to edit Master text styles</a:t>
             </a:r>
           </a:p>
@@ -3340,7 +3321,7 @@
           <a:p>
             <a:fld id="{197407D9-D71E-483A-93A9-094E0F2BD74E}" type="datetime1">
               <a:rPr lang="en-US" smtClean="0"/>
-              <a:t>12/19/2018</a:t>
+              <a:t>4/17/20</a:t>
             </a:fld>
             <a:endParaRPr lang="en-US"/>
           </a:p>
@@ -3362,7 +3343,7 @@
           <a:lstStyle/>
           <a:p>
             <a:r>
-              <a:rPr lang="en-CA" smtClean="0"/>
+              <a:rPr lang="en-CA"/>
               <a:t>Control of Electric Vehicles</a:t>
             </a:r>
             <a:endParaRPr lang="en-US"/>
@@ -3449,10 +3430,9 @@
           <a:lstStyle/>
           <a:p>
             <a:r>
-              <a:rPr lang="en-US" smtClean="0"/>
+              <a:rPr lang="en-US"/>
               <a:t>Click to edit Master title style</a:t>
             </a:r>
-            <a:endParaRPr lang="en-US"/>
           </a:p>
         </p:txBody>
       </p:sp>
@@ -3483,38 +3463,37 @@
           <a:p>
             <a:pPr lvl="0"/>
             <a:r>
-              <a:rPr lang="en-US" smtClean="0"/>
+              <a:rPr lang="en-US"/>
               <a:t>Click to edit Master text styles</a:t>
             </a:r>
           </a:p>
           <a:p>
             <a:pPr lvl="1"/>
             <a:r>
-              <a:rPr lang="en-US" smtClean="0"/>
+              <a:rPr lang="en-US"/>
               <a:t>Second level</a:t>
             </a:r>
           </a:p>
           <a:p>
             <a:pPr lvl="2"/>
             <a:r>
-              <a:rPr lang="en-US" smtClean="0"/>
+              <a:rPr lang="en-US"/>
               <a:t>Third level</a:t>
             </a:r>
           </a:p>
           <a:p>
             <a:pPr lvl="3"/>
             <a:r>
-              <a:rPr lang="en-US" smtClean="0"/>
+              <a:rPr lang="en-US"/>
               <a:t>Fourth level</a:t>
             </a:r>
           </a:p>
           <a:p>
             <a:pPr lvl="4"/>
             <a:r>
-              <a:rPr lang="en-US" smtClean="0"/>
+              <a:rPr lang="en-US"/>
               <a:t>Fifth level</a:t>
             </a:r>
-            <a:endParaRPr lang="en-US"/>
           </a:p>
         </p:txBody>
       </p:sp>
@@ -3553,7 +3532,7 @@
           <a:p>
             <a:fld id="{05F486B8-69E9-40D6-90A8-99105F74591D}" type="datetime1">
               <a:rPr lang="en-US" smtClean="0"/>
-              <a:t>12/19/2018</a:t>
+              <a:t>4/17/20</a:t>
             </a:fld>
             <a:endParaRPr lang="en-US"/>
           </a:p>
@@ -3593,7 +3572,7 @@
           </a:lstStyle>
           <a:p>
             <a:r>
-              <a:rPr lang="en-CA" smtClean="0"/>
+              <a:rPr lang="en-CA"/>
               <a:t>Control of Electric Vehicles</a:t>
             </a:r>
             <a:endParaRPr lang="en-US"/>
@@ -3958,98 +3937,70 @@
           <a:lstStyle/>
           <a:p>
             <a:r>
-              <a:rPr lang="en-CA" sz="2000" dirty="0" smtClean="0"/>
-              <a:t>In </a:t>
-            </a:r>
-            <a:r>
               <a:rPr lang="en-CA" sz="2000" dirty="0"/>
-              <a:t>simple linear regression, we predict </a:t>
-            </a:r>
-            <a:r>
-              <a:rPr lang="en-CA" sz="2000" dirty="0" smtClean="0"/>
-              <a:t>the value of one variable </a:t>
-            </a:r>
-            <a:r>
-              <a:rPr lang="en-CA" sz="2000" b="1" dirty="0" smtClean="0"/>
+              <a:t>In simple linear regression, we predict the value of one variable </a:t>
+            </a:r>
+            <a:r>
+              <a:rPr lang="en-CA" sz="2000" b="1" dirty="0"/>
               <a:t>Y</a:t>
             </a:r>
             <a:r>
-              <a:rPr lang="en-CA" sz="2000" dirty="0" smtClean="0"/>
+              <a:rPr lang="en-CA" sz="2000" dirty="0"/>
               <a:t> based on another variable </a:t>
             </a:r>
             <a:r>
-              <a:rPr lang="en-CA" sz="2000" b="1" dirty="0" smtClean="0"/>
+              <a:rPr lang="en-CA" sz="2000" b="1" dirty="0"/>
               <a:t>X</a:t>
             </a:r>
             <a:r>
-              <a:rPr lang="en-CA" sz="2000" dirty="0" smtClean="0"/>
+              <a:rPr lang="en-CA" sz="2000" dirty="0"/>
               <a:t>.</a:t>
             </a:r>
           </a:p>
           <a:p>
             <a:r>
-              <a:rPr lang="en-CA" sz="2000" b="1" dirty="0" smtClean="0"/>
+              <a:rPr lang="en-CA" sz="2000" b="1" dirty="0"/>
               <a:t>X</a:t>
             </a:r>
             <a:r>
-              <a:rPr lang="en-CA" sz="2000" dirty="0" smtClean="0"/>
+              <a:rPr lang="en-CA" sz="2000" dirty="0"/>
               <a:t> is called the </a:t>
             </a:r>
             <a:r>
-              <a:rPr lang="en-CA" sz="2000" b="1" dirty="0" smtClean="0"/>
+              <a:rPr lang="en-CA" sz="2000" b="1" dirty="0"/>
               <a:t>independent variable </a:t>
             </a:r>
             <a:r>
-              <a:rPr lang="en-CA" sz="2000" dirty="0" smtClean="0"/>
+              <a:rPr lang="en-CA" sz="2000" dirty="0"/>
               <a:t>and </a:t>
             </a:r>
             <a:r>
-              <a:rPr lang="en-CA" sz="2000" b="1" dirty="0" smtClean="0"/>
+              <a:rPr lang="en-CA" sz="2000" b="1" dirty="0"/>
               <a:t>Y</a:t>
             </a:r>
             <a:r>
-              <a:rPr lang="en-CA" sz="2000" dirty="0" smtClean="0"/>
+              <a:rPr lang="en-CA" sz="2000" dirty="0"/>
               <a:t> is called the </a:t>
             </a:r>
             <a:r>
-              <a:rPr lang="en-CA" sz="2000" b="1" dirty="0" smtClean="0"/>
+              <a:rPr lang="en-CA" sz="2000" b="1" dirty="0"/>
               <a:t>dependant variable</a:t>
             </a:r>
             <a:r>
-              <a:rPr lang="en-CA" sz="2000" dirty="0" smtClean="0"/>
+              <a:rPr lang="en-CA" sz="2000" dirty="0"/>
               <a:t>.</a:t>
             </a:r>
           </a:p>
           <a:p>
             <a:r>
-              <a:rPr lang="en-CA" sz="2000" dirty="0" smtClean="0"/>
-              <a:t>Why simple?</a:t>
-            </a:r>
-            <a:r>
               <a:rPr lang="en-CA" sz="2000" dirty="0"/>
-              <a:t> </a:t>
-            </a:r>
-            <a:r>
-              <a:rPr lang="en-CA" sz="2000" dirty="0" smtClean="0"/>
-              <a:t>Because it examines relationship </a:t>
-            </a:r>
+              <a:t>Why simple? Because it examines relationship between two variables only.</a:t>
+            </a:r>
+          </a:p>
+          <a:p>
             <a:r>
               <a:rPr lang="en-CA" sz="2000" dirty="0"/>
-              <a:t>between </a:t>
-            </a:r>
-            <a:r>
-              <a:rPr lang="en-CA" sz="2000" dirty="0" smtClean="0"/>
-              <a:t>two variables only.</a:t>
-            </a:r>
-          </a:p>
-          <a:p>
-            <a:r>
-              <a:rPr lang="en-CA" sz="2000" dirty="0" smtClean="0"/>
-              <a:t>Why linear? when </a:t>
-            </a:r>
-            <a:r>
-              <a:rPr lang="en-CA" sz="2000" dirty="0"/>
-              <a:t>the </a:t>
+              <a:t>Why linear? when the </a:t>
             </a:r>
             <a:r>
               <a:rPr lang="en-CA" sz="2000" b="1" dirty="0"/>
@@ -4080,7 +4031,7 @@
             <a:pPr marL="0" indent="0" fontAlgn="base">
               <a:buNone/>
             </a:pPr>
-            <a:endParaRPr lang="en-CA" sz="2000" dirty="0" smtClean="0"/>
+            <a:endParaRPr lang="en-CA" sz="2000" dirty="0"/>
           </a:p>
         </p:txBody>
       </p:sp>
@@ -4153,7 +4104,7 @@
               <a:defRPr/>
             </a:pPr>
             <a:r>
-              <a:rPr lang="en-CA" sz="3200" dirty="0" smtClean="0">
+              <a:rPr lang="en-CA" sz="3200" dirty="0">
                 <a:solidFill>
                   <a:srgbClr val="5B9BD5">
                     <a:lumMod val="75000"/>
@@ -4164,7 +4115,7 @@
               <a:t>SIMPLE LINEAR REGRESSION: </a:t>
             </a:r>
             <a:r>
-              <a:rPr lang="en-CA" sz="3200" dirty="0" smtClean="0">
+              <a:rPr lang="en-CA" sz="3200" dirty="0">
                 <a:solidFill>
                   <a:srgbClr val="FF0000"/>
                 </a:solidFill>
@@ -4172,12 +4123,6 @@
               </a:rPr>
               <a:t>INTUITION</a:t>
             </a:r>
-            <a:endParaRPr lang="en-CA" sz="3200" dirty="0">
-              <a:solidFill>
-                <a:srgbClr val="FF0000"/>
-              </a:solidFill>
-              <a:latin typeface="Calibri Light" panose="020F0302020204030204"/>
-            </a:endParaRPr>
           </a:p>
         </p:txBody>
       </p:sp>
@@ -4771,18 +4716,17 @@
           <a:lstStyle/>
           <a:p>
             <a:r>
-              <a:rPr lang="en-CA" sz="2400" b="1" dirty="0" smtClean="0"/>
+              <a:rPr lang="en-CA" sz="2400" b="1" dirty="0"/>
               <a:t>TEMPERATURE (</a:t>
             </a:r>
             <a:r>
-              <a:rPr lang="en-CA" sz="2400" b="1" dirty="0" err="1" smtClean="0"/>
+              <a:rPr lang="en-CA" sz="2400" b="1" dirty="0" err="1"/>
               <a:t>DegC</a:t>
             </a:r>
             <a:r>
-              <a:rPr lang="en-CA" sz="2400" b="1" dirty="0" smtClean="0"/>
+              <a:rPr lang="en-CA" sz="2400" b="1" dirty="0"/>
               <a:t>)</a:t>
             </a:r>
-            <a:endParaRPr lang="en-CA" sz="2400" b="1" dirty="0"/>
           </a:p>
         </p:txBody>
       </p:sp>
@@ -4809,10 +4753,9 @@
           <a:lstStyle/>
           <a:p>
             <a:r>
-              <a:rPr lang="en-CA" sz="2400" b="1" dirty="0" smtClean="0"/>
+              <a:rPr lang="en-CA" sz="2400" b="1" dirty="0"/>
               <a:t>REVENUE($)</a:t>
             </a:r>
-            <a:endParaRPr lang="en-CA" sz="2400" b="1" dirty="0"/>
           </a:p>
         </p:txBody>
       </p:sp>
@@ -4916,36 +4859,6 @@
           </a:prstGeom>
         </p:spPr>
       </p:pic>
-      <p:pic>
-        <p:nvPicPr>
-          <p:cNvPr id="23" name="Picture 22"/>
-          <p:cNvPicPr>
-            <a:picLocks noChangeAspect="1"/>
-          </p:cNvPicPr>
-          <p:nvPr/>
-        </p:nvPicPr>
-        <p:blipFill>
-          <a:blip r:embed="rId6" cstate="print">
-            <a:extLst>
-              <a:ext uri="{28A0092B-C50C-407E-A947-70E740481C1C}">
-                <a14:useLocalDpi xmlns:a14="http://schemas.microsoft.com/office/drawing/2010/main" val="0"/>
-              </a:ext>
-            </a:extLst>
-          </a:blip>
-          <a:stretch>
-            <a:fillRect/>
-          </a:stretch>
-        </p:blipFill>
-        <p:spPr>
-          <a:xfrm>
-            <a:off x="10183836" y="46470"/>
-            <a:ext cx="1918332" cy="1172730"/>
-          </a:xfrm>
-          <a:prstGeom prst="rect">
-            <a:avLst/>
-          </a:prstGeom>
-        </p:spPr>
-      </p:pic>
     </p:spTree>
     <p:extLst>
       <p:ext uri="{BB962C8B-B14F-4D97-AF65-F5344CB8AC3E}">
@@ -5783,7 +5696,7 @@
               <a:t>SIMPLE LINEAR REGRESSION: </a:t>
             </a:r>
             <a:r>
-              <a:rPr lang="en-CA" sz="3200" dirty="0" smtClean="0">
+              <a:rPr lang="en-CA" sz="3200" dirty="0">
                 <a:solidFill>
                   <a:srgbClr val="FF0000"/>
                 </a:solidFill>
@@ -5791,12 +5704,6 @@
               </a:rPr>
               <a:t>EXAMPLE</a:t>
             </a:r>
-            <a:endParaRPr lang="en-CA" sz="3200" dirty="0">
-              <a:solidFill>
-                <a:srgbClr val="FF0000"/>
-              </a:solidFill>
-              <a:latin typeface="Calibri Light" panose="020F0302020204030204"/>
-            </a:endParaRPr>
           </a:p>
         </p:txBody>
       </p:sp>
@@ -5823,10 +5730,9 @@
           <a:lstStyle/>
           <a:p>
             <a:r>
-              <a:rPr lang="en-CA" sz="2000" dirty="0" smtClean="0"/>
+              <a:rPr lang="en-CA" sz="2000" dirty="0"/>
               <a:t>Example: Goal is to obtain a relationship (model) between outside air  temperature and ice cream sales</a:t>
             </a:r>
-            <a:endParaRPr lang="en-CA" sz="2000" dirty="0"/>
           </a:p>
         </p:txBody>
       </p:sp>
@@ -6010,50 +5916,16 @@
           <a:lstStyle/>
           <a:p>
             <a:r>
-              <a:rPr lang="en-CA" sz="1400" b="1" dirty="0" smtClean="0"/>
+              <a:rPr lang="en-CA" sz="1400" b="1" dirty="0"/>
               <a:t>Source: </a:t>
             </a:r>
             <a:r>
-              <a:rPr lang="en-CA" sz="1400" dirty="0" smtClean="0"/>
-              <a:t>https</a:t>
-            </a:r>
-            <a:r>
               <a:rPr lang="en-CA" sz="1400" dirty="0"/>
-              <a:t>://www.goodfreephotos.com/vector-images/ice-cream-stand-vector-clipart.png.php</a:t>
-            </a:r>
-          </a:p>
-        </p:txBody>
-      </p:sp>
-      <p:pic>
-        <p:nvPicPr>
-          <p:cNvPr id="5" name="Picture 4"/>
-          <p:cNvPicPr>
-            <a:picLocks noChangeAspect="1"/>
-          </p:cNvPicPr>
-          <p:nvPr/>
-        </p:nvPicPr>
-        <p:blipFill>
-          <a:blip r:embed="rId4" cstate="print">
-            <a:extLst>
-              <a:ext uri="{28A0092B-C50C-407E-A947-70E740481C1C}">
-                <a14:useLocalDpi xmlns:a14="http://schemas.microsoft.com/office/drawing/2010/main" val="0"/>
-              </a:ext>
-            </a:extLst>
-          </a:blip>
-          <a:stretch>
-            <a:fillRect/>
-          </a:stretch>
-        </p:blipFill>
-        <p:spPr>
-          <a:xfrm>
-            <a:off x="10183836" y="46470"/>
-            <a:ext cx="1918332" cy="1172730"/>
-          </a:xfrm>
-          <a:prstGeom prst="rect">
-            <a:avLst/>
-          </a:prstGeom>
-        </p:spPr>
-      </p:pic>
+              <a:t>https://www.goodfreephotos.com/vector-images/ice-cream-stand-vector-clipart.png.php</a:t>
+            </a:r>
+          </a:p>
+        </p:txBody>
+      </p:sp>
       <p:cxnSp>
         <p:nvCxnSpPr>
           <p:cNvPr id="23" name="Straight Arrow Connector 22"/>
@@ -6725,18 +6597,17 @@
           <a:lstStyle/>
           <a:p>
             <a:r>
-              <a:rPr lang="en-CA" sz="2400" b="1" dirty="0" smtClean="0"/>
+              <a:rPr lang="en-CA" sz="2400" b="1" dirty="0"/>
               <a:t>TEMPERATURE (</a:t>
             </a:r>
             <a:r>
-              <a:rPr lang="en-CA" sz="2400" b="1" dirty="0" err="1" smtClean="0"/>
+              <a:rPr lang="en-CA" sz="2400" b="1" dirty="0" err="1"/>
               <a:t>DegC</a:t>
             </a:r>
             <a:r>
-              <a:rPr lang="en-CA" sz="2400" b="1" dirty="0" smtClean="0"/>
+              <a:rPr lang="en-CA" sz="2400" b="1" dirty="0"/>
               <a:t>)</a:t>
             </a:r>
-            <a:endParaRPr lang="en-CA" sz="2400" b="1" dirty="0"/>
           </a:p>
         </p:txBody>
       </p:sp>
@@ -6763,10 +6634,9 @@
           <a:lstStyle/>
           <a:p>
             <a:r>
-              <a:rPr lang="en-CA" sz="2400" b="1" dirty="0" smtClean="0"/>
+              <a:rPr lang="en-CA" sz="2400" b="1" dirty="0"/>
               <a:t>REVENUE($)</a:t>
             </a:r>
-            <a:endParaRPr lang="en-CA" sz="2400" b="1" dirty="0"/>
           </a:p>
         </p:txBody>
       </p:sp>
@@ -6865,7 +6735,7 @@
           <a:p>
             <a:pPr algn="ctr"/>
             <a:r>
-              <a:rPr lang="en-CA" sz="1600" b="1" dirty="0" smtClean="0">
+              <a:rPr lang="en-CA" sz="1600" b="1" dirty="0">
                 <a:solidFill>
                   <a:srgbClr val="FF0000"/>
                 </a:solidFill>
@@ -6876,18 +6746,13 @@
           <a:p>
             <a:pPr algn="ctr"/>
             <a:r>
-              <a:rPr lang="en-CA" sz="1600" b="1" dirty="0" smtClean="0">
+              <a:rPr lang="en-CA" sz="1600" b="1" dirty="0">
                 <a:solidFill>
                   <a:srgbClr val="FF0000"/>
                 </a:solidFill>
               </a:rPr>
               <a:t>REVENUE ($)</a:t>
             </a:r>
-            <a:endParaRPr lang="en-CA" sz="1600" b="1" dirty="0">
-              <a:solidFill>
-                <a:srgbClr val="FF0000"/>
-              </a:solidFill>
-            </a:endParaRPr>
           </a:p>
         </p:txBody>
       </p:sp>
@@ -6950,7 +6815,7 @@
           <a:lstStyle/>
           <a:p>
             <a:r>
-              <a:rPr lang="en-CA" sz="1600" b="1" dirty="0" smtClean="0">
+              <a:rPr lang="en-CA" sz="1600" b="1" dirty="0">
                 <a:solidFill>
                   <a:srgbClr val="FF0000"/>
                 </a:solidFill>
@@ -6960,7 +6825,7 @@
           </a:p>
           <a:p>
             <a:r>
-              <a:rPr lang="en-CA" sz="1600" b="1" dirty="0" smtClean="0">
+              <a:rPr lang="en-CA" sz="1600" b="1" dirty="0">
                 <a:solidFill>
                   <a:srgbClr val="FF0000"/>
                 </a:solidFill>
@@ -6968,7 +6833,7 @@
               <a:t>TEMPERATURE (</a:t>
             </a:r>
             <a:r>
-              <a:rPr lang="en-CA" sz="1600" b="1" dirty="0" err="1" smtClean="0">
+              <a:rPr lang="en-CA" sz="1600" b="1" dirty="0" err="1">
                 <a:solidFill>
                   <a:srgbClr val="FF0000"/>
                 </a:solidFill>
@@ -6976,18 +6841,13 @@
               <a:t>DegC</a:t>
             </a:r>
             <a:r>
-              <a:rPr lang="en-CA" sz="1600" b="1" dirty="0" smtClean="0">
+              <a:rPr lang="en-CA" sz="1600" b="1" dirty="0">
                 <a:solidFill>
                   <a:srgbClr val="FF0000"/>
                 </a:solidFill>
               </a:rPr>
               <a:t>)</a:t>
             </a:r>
-            <a:endParaRPr lang="en-CA" sz="1600" b="1" dirty="0">
-              <a:solidFill>
-                <a:srgbClr val="FF0000"/>
-              </a:solidFill>
-            </a:endParaRPr>
           </a:p>
         </p:txBody>
       </p:sp>
@@ -7108,18 +6968,13 @@
           <a:lstStyle/>
           <a:p>
             <a:r>
-              <a:rPr lang="en-CA" sz="2400" b="1" dirty="0" smtClean="0">
+              <a:rPr lang="en-CA" sz="2400" b="1" dirty="0">
                 <a:solidFill>
                   <a:srgbClr val="FF0000"/>
                 </a:solidFill>
               </a:rPr>
               <a:t>$20 </a:t>
             </a:r>
-            <a:endParaRPr lang="en-CA" sz="2400" b="1" dirty="0">
-              <a:solidFill>
-                <a:srgbClr val="FF0000"/>
-              </a:solidFill>
-            </a:endParaRPr>
           </a:p>
         </p:txBody>
       </p:sp>
@@ -7146,7 +7001,7 @@
           <a:lstStyle/>
           <a:p>
             <a:r>
-              <a:rPr lang="en-CA" sz="2400" b="1" dirty="0" smtClean="0">
+              <a:rPr lang="en-CA" sz="2400" b="1" dirty="0">
                 <a:solidFill>
                   <a:srgbClr val="FF0000"/>
                 </a:solidFill>
@@ -7154,7 +7009,7 @@
               <a:t>+10 </a:t>
             </a:r>
             <a:r>
-              <a:rPr lang="en-CA" sz="2400" b="1" dirty="0" err="1" smtClean="0">
+              <a:rPr lang="en-CA" sz="2400" b="1" dirty="0" err="1">
                 <a:solidFill>
                   <a:srgbClr val="FF0000"/>
                 </a:solidFill>
@@ -7507,18 +7362,13 @@
           <a:lstStyle/>
           <a:p>
             <a:r>
-              <a:rPr lang="en-CA" sz="1600" b="1" dirty="0" smtClean="0">
+              <a:rPr lang="en-CA" sz="1600" b="1" dirty="0">
                 <a:solidFill>
                   <a:srgbClr val="FF0000"/>
                 </a:solidFill>
               </a:rPr>
               <a:t>MODEL! (GOAL)</a:t>
             </a:r>
-            <a:endParaRPr lang="en-CA" sz="1600" b="1" dirty="0">
-              <a:solidFill>
-                <a:srgbClr val="FF0000"/>
-              </a:solidFill>
-            </a:endParaRPr>
           </a:p>
         </p:txBody>
       </p:sp>
@@ -8850,45 +8700,45 @@
           <a:p>
             <a:pPr fontAlgn="base"/>
             <a:r>
-              <a:rPr lang="en-CA" sz="2000" dirty="0" smtClean="0"/>
+              <a:rPr lang="en-CA" sz="2000" dirty="0"/>
               <a:t>Once the coefficients </a:t>
             </a:r>
             <a:r>
-              <a:rPr lang="en-CA" sz="2000" b="1" i="1" dirty="0" smtClean="0"/>
+              <a:rPr lang="en-CA" sz="2000" b="1" i="1" dirty="0"/>
               <a:t>m</a:t>
             </a:r>
             <a:r>
-              <a:rPr lang="en-CA" sz="2000" dirty="0" smtClean="0"/>
+              <a:rPr lang="en-CA" sz="2000" dirty="0"/>
               <a:t> and </a:t>
             </a:r>
             <a:r>
-              <a:rPr lang="en-CA" sz="2000" b="1" i="1" dirty="0" smtClean="0"/>
+              <a:rPr lang="en-CA" sz="2000" b="1" i="1" dirty="0"/>
               <a:t>b</a:t>
             </a:r>
             <a:r>
-              <a:rPr lang="en-CA" sz="2000" dirty="0" smtClean="0"/>
+              <a:rPr lang="en-CA" sz="2000" dirty="0"/>
               <a:t> are obtained, you have obtained a simple linear regression model! </a:t>
             </a:r>
           </a:p>
           <a:p>
             <a:pPr fontAlgn="base"/>
             <a:r>
-              <a:rPr lang="en-CA" sz="2000" dirty="0" smtClean="0"/>
+              <a:rPr lang="en-CA" sz="2000" dirty="0"/>
               <a:t>This “trained” model can be later used to predict any </a:t>
             </a:r>
             <a:r>
-              <a:rPr lang="en-CA" sz="2000" b="1" i="1" dirty="0" smtClean="0"/>
+              <a:rPr lang="en-CA" sz="2000" b="1" i="1" dirty="0"/>
               <a:t>Revenue (dollars) </a:t>
             </a:r>
             <a:r>
-              <a:rPr lang="en-CA" sz="2000" dirty="0" smtClean="0"/>
+              <a:rPr lang="en-CA" sz="2000" dirty="0"/>
               <a:t>based on </a:t>
             </a:r>
             <a:r>
-              <a:rPr lang="en-CA" sz="2000" b="1" i="1" dirty="0" smtClean="0"/>
+              <a:rPr lang="en-CA" sz="2000" b="1" i="1" dirty="0"/>
               <a:t>the outside air Temperature.</a:t>
             </a:r>
-            <a:endParaRPr lang="en-CA" sz="2000" dirty="0" smtClean="0"/>
+            <a:endParaRPr lang="en-CA" sz="2000" dirty="0"/>
           </a:p>
         </p:txBody>
       </p:sp>
@@ -8961,7 +8811,7 @@
               <a:defRPr/>
             </a:pPr>
             <a:r>
-              <a:rPr lang="en-CA" sz="3200" dirty="0" smtClean="0">
+              <a:rPr lang="en-CA" sz="3200" dirty="0">
                 <a:solidFill>
                   <a:srgbClr val="5B9BD5">
                     <a:lumMod val="75000"/>
@@ -8972,7 +8822,7 @@
               <a:t>SIMPLE LINEAR REGRESSION: </a:t>
             </a:r>
             <a:r>
-              <a:rPr lang="en-CA" sz="3200" dirty="0" smtClean="0">
+              <a:rPr lang="en-CA" sz="3200" dirty="0">
                 <a:solidFill>
                   <a:srgbClr val="FF0000"/>
                 </a:solidFill>
@@ -8980,12 +8830,6 @@
               </a:rPr>
               <a:t>HOW ARE WE GOING TO USE THE MODEL?</a:t>
             </a:r>
-            <a:endParaRPr lang="en-CA" sz="3200" dirty="0">
-              <a:solidFill>
-                <a:srgbClr val="FF0000"/>
-              </a:solidFill>
-              <a:latin typeface="Calibri Light" panose="020F0302020204030204"/>
-            </a:endParaRPr>
           </a:p>
         </p:txBody>
       </p:sp>
@@ -9281,7 +9125,7 @@
           <a:p>
             <a:pPr algn="ctr"/>
             <a:r>
-              <a:rPr lang="en-CA" b="1" dirty="0" smtClean="0">
+              <a:rPr lang="en-CA" b="1" dirty="0">
                 <a:solidFill>
                   <a:srgbClr val="FF0000"/>
                 </a:solidFill>
@@ -9292,18 +9136,13 @@
           <a:p>
             <a:pPr algn="ctr"/>
             <a:r>
-              <a:rPr lang="en-CA" b="1" dirty="0" smtClean="0">
+              <a:rPr lang="en-CA" b="1" dirty="0">
                 <a:solidFill>
                   <a:srgbClr val="FF0000"/>
                 </a:solidFill>
               </a:rPr>
               <a:t>VARIABLE</a:t>
             </a:r>
-            <a:endParaRPr lang="en-CA" b="1" dirty="0">
-              <a:solidFill>
-                <a:srgbClr val="FF0000"/>
-              </a:solidFill>
-            </a:endParaRPr>
           </a:p>
         </p:txBody>
       </p:sp>
@@ -9331,7 +9170,7 @@
           <a:p>
             <a:pPr algn="ctr"/>
             <a:r>
-              <a:rPr lang="en-CA" b="1" dirty="0" smtClean="0">
+              <a:rPr lang="en-CA" b="1" dirty="0">
                 <a:solidFill>
                   <a:srgbClr val="FF0000"/>
                 </a:solidFill>
@@ -9342,23 +9181,18 @@
           <a:p>
             <a:pPr algn="ctr"/>
             <a:r>
-              <a:rPr lang="en-CA" b="1" dirty="0" smtClean="0">
+              <a:rPr lang="en-CA" b="1" dirty="0">
                 <a:solidFill>
                   <a:srgbClr val="FF0000"/>
                 </a:solidFill>
               </a:rPr>
               <a:t>VARIABLE</a:t>
             </a:r>
-            <a:endParaRPr lang="en-CA" b="1" dirty="0">
-              <a:solidFill>
-                <a:srgbClr val="FF0000"/>
-              </a:solidFill>
-            </a:endParaRPr>
-          </a:p>
-        </p:txBody>
-      </p:sp>
-      <mc:AlternateContent xmlns:mc="http://schemas.openxmlformats.org/markup-compatibility/2006">
-        <mc:Choice xmlns:a14="http://schemas.microsoft.com/office/drawing/2010/main" Requires="a14">
+          </a:p>
+        </p:txBody>
+      </p:sp>
+      <mc:AlternateContent xmlns:mc="http://schemas.openxmlformats.org/markup-compatibility/2006" xmlns:a14="http://schemas.microsoft.com/office/drawing/2010/main">
+        <mc:Choice Requires="a14">
           <p:sp>
             <p:nvSpPr>
               <p:cNvPr id="12" name="Rectangle 11"/>
@@ -9402,7 +9236,7 @@
             </p:txBody>
           </p:sp>
         </mc:Choice>
-        <mc:Fallback>
+        <mc:Fallback xmlns="">
           <p:sp>
             <p:nvSpPr>
               <p:cNvPr id="12" name="Rectangle 11"/>
@@ -9441,8 +9275,8 @@
           </p:sp>
         </mc:Fallback>
       </mc:AlternateContent>
-      <mc:AlternateContent xmlns:mc="http://schemas.openxmlformats.org/markup-compatibility/2006">
-        <mc:Choice xmlns:a14="http://schemas.microsoft.com/office/drawing/2010/main" Requires="a14">
+      <mc:AlternateContent xmlns:mc="http://schemas.openxmlformats.org/markup-compatibility/2006" xmlns:a14="http://schemas.microsoft.com/office/drawing/2010/main">
+        <mc:Choice Requires="a14">
           <p:sp>
             <p:nvSpPr>
               <p:cNvPr id="13" name="Rectangle 12"/>
@@ -9485,7 +9319,7 @@
             </p:txBody>
           </p:sp>
         </mc:Choice>
-        <mc:Fallback>
+        <mc:Fallback xmlns="">
           <p:sp>
             <p:nvSpPr>
               <p:cNvPr id="13" name="Rectangle 12"/>
@@ -9620,8 +9454,8 @@
           </a:p>
         </p:txBody>
       </p:sp>
-      <mc:AlternateContent xmlns:mc="http://schemas.openxmlformats.org/markup-compatibility/2006">
-        <mc:Choice xmlns:a14="http://schemas.microsoft.com/office/drawing/2010/main" Requires="a14">
+      <mc:AlternateContent xmlns:mc="http://schemas.openxmlformats.org/markup-compatibility/2006" xmlns:a14="http://schemas.microsoft.com/office/drawing/2010/main">
+        <mc:Choice Requires="a14">
           <p:sp>
             <p:nvSpPr>
               <p:cNvPr id="16" name="Rectangle 15"/>
@@ -9664,7 +9498,7 @@
             </p:txBody>
           </p:sp>
         </mc:Choice>
-        <mc:Fallback>
+        <mc:Fallback xmlns="">
           <p:sp>
             <p:nvSpPr>
               <p:cNvPr id="16" name="Rectangle 15"/>
@@ -9786,36 +9620,6 @@
           </p:sp>
         </mc:Fallback>
       </mc:AlternateContent>
-      <p:pic>
-        <p:nvPicPr>
-          <p:cNvPr id="19" name="Picture 18"/>
-          <p:cNvPicPr>
-            <a:picLocks noChangeAspect="1"/>
-          </p:cNvPicPr>
-          <p:nvPr/>
-        </p:nvPicPr>
-        <p:blipFill>
-          <a:blip r:embed="rId9" cstate="print">
-            <a:extLst>
-              <a:ext uri="{28A0092B-C50C-407E-A947-70E740481C1C}">
-                <a14:useLocalDpi xmlns:a14="http://schemas.microsoft.com/office/drawing/2010/main" val="0"/>
-              </a:ext>
-            </a:extLst>
-          </a:blip>
-          <a:stretch>
-            <a:fillRect/>
-          </a:stretch>
-        </p:blipFill>
-        <p:spPr>
-          <a:xfrm>
-            <a:off x="10183836" y="46470"/>
-            <a:ext cx="1918332" cy="1172730"/>
-          </a:xfrm>
-          <a:prstGeom prst="rect">
-            <a:avLst/>
-          </a:prstGeom>
-        </p:spPr>
-      </p:pic>
     </p:spTree>
     <p:extLst>
       <p:ext uri="{BB962C8B-B14F-4D97-AF65-F5344CB8AC3E}">
@@ -10276,7 +10080,7 @@
               <a:t>SIMPLE LINEAR REGRESSION: </a:t>
             </a:r>
             <a:r>
-              <a:rPr lang="en-CA" sz="3200" dirty="0" smtClean="0">
+              <a:rPr lang="en-CA" sz="3200" dirty="0">
                 <a:solidFill>
                   <a:srgbClr val="FF0000"/>
                 </a:solidFill>
@@ -10284,45 +10088,9 @@
               </a:rPr>
               <a:t>HOW TO OBTAIN MODEL PARAMETERS? LEAST SUM OF SQUARES</a:t>
             </a:r>
-            <a:endParaRPr lang="en-CA" sz="3200" dirty="0">
-              <a:solidFill>
-                <a:srgbClr val="FF0000"/>
-              </a:solidFill>
-              <a:latin typeface="Calibri Light" panose="020F0302020204030204"/>
-            </a:endParaRPr>
-          </a:p>
-        </p:txBody>
-      </p:sp>
-      <p:pic>
-        <p:nvPicPr>
-          <p:cNvPr id="5" name="Picture 4"/>
-          <p:cNvPicPr>
-            <a:picLocks noChangeAspect="1"/>
-          </p:cNvPicPr>
-          <p:nvPr/>
-        </p:nvPicPr>
-        <p:blipFill>
-          <a:blip r:embed="rId3" cstate="print">
-            <a:extLst>
-              <a:ext uri="{28A0092B-C50C-407E-A947-70E740481C1C}">
-                <a14:useLocalDpi xmlns:a14="http://schemas.microsoft.com/office/drawing/2010/main" val="0"/>
-              </a:ext>
-            </a:extLst>
-          </a:blip>
-          <a:stretch>
-            <a:fillRect/>
-          </a:stretch>
-        </p:blipFill>
-        <p:spPr>
-          <a:xfrm>
-            <a:off x="10183836" y="46470"/>
-            <a:ext cx="1918332" cy="1172730"/>
-          </a:xfrm>
-          <a:prstGeom prst="rect">
-            <a:avLst/>
-          </a:prstGeom>
-        </p:spPr>
-      </p:pic>
+          </a:p>
+        </p:txBody>
+      </p:sp>
       <p:cxnSp>
         <p:nvCxnSpPr>
           <p:cNvPr id="23" name="Straight Arrow Connector 22"/>
@@ -10658,18 +10426,17 @@
           <a:lstStyle/>
           <a:p>
             <a:r>
-              <a:rPr lang="en-CA" sz="2400" b="1" dirty="0" smtClean="0"/>
+              <a:rPr lang="en-CA" sz="2400" b="1" dirty="0"/>
               <a:t>TEMPERATURE (</a:t>
             </a:r>
             <a:r>
-              <a:rPr lang="en-CA" sz="2400" b="1" dirty="0" err="1" smtClean="0"/>
+              <a:rPr lang="en-CA" sz="2400" b="1" dirty="0" err="1"/>
               <a:t>DegC</a:t>
             </a:r>
             <a:r>
-              <a:rPr lang="en-CA" sz="2400" b="1" dirty="0" smtClean="0"/>
+              <a:rPr lang="en-CA" sz="2400" b="1" dirty="0"/>
               <a:t>)</a:t>
             </a:r>
-            <a:endParaRPr lang="en-CA" sz="2400" b="1" dirty="0"/>
           </a:p>
         </p:txBody>
       </p:sp>
@@ -10696,10 +10463,9 @@
           <a:lstStyle/>
           <a:p>
             <a:r>
-              <a:rPr lang="en-CA" sz="2400" b="1" dirty="0" smtClean="0"/>
+              <a:rPr lang="en-CA" sz="2400" b="1" dirty="0"/>
               <a:t>REVENUE($)</a:t>
             </a:r>
-            <a:endParaRPr lang="en-CA" sz="2400" b="1" dirty="0"/>
           </a:p>
         </p:txBody>
       </p:sp>
@@ -10797,18 +10563,13 @@
           <a:lstStyle/>
           <a:p>
             <a:r>
-              <a:rPr lang="en-CA" sz="2000" b="1" dirty="0" smtClean="0">
+              <a:rPr lang="en-CA" sz="2000" b="1" dirty="0">
                 <a:solidFill>
                   <a:srgbClr val="FF0000"/>
                 </a:solidFill>
               </a:rPr>
               <a:t>MINIMUM (LEAST) SUM OF SQUARES</a:t>
             </a:r>
-            <a:endParaRPr lang="en-CA" sz="2000" b="1" dirty="0">
-              <a:solidFill>
-                <a:srgbClr val="FF0000"/>
-              </a:solidFill>
-            </a:endParaRPr>
           </a:p>
         </p:txBody>
       </p:sp>
@@ -10920,8 +10681,8 @@
           </a:fontRef>
         </p:style>
       </p:cxnSp>
-      <mc:AlternateContent xmlns:mc="http://schemas.openxmlformats.org/markup-compatibility/2006">
-        <mc:Choice xmlns:a14="http://schemas.microsoft.com/office/drawing/2010/main" Requires="a14">
+      <mc:AlternateContent xmlns:mc="http://schemas.openxmlformats.org/markup-compatibility/2006" xmlns:a14="http://schemas.microsoft.com/office/drawing/2010/main">
+        <mc:Choice Requires="a14">
           <p:sp>
             <p:nvSpPr>
               <p:cNvPr id="12" name="TextBox 11"/>
@@ -10974,15 +10735,14 @@
                   </m:oMath>
                 </a14:m>
                 <a:r>
-                  <a:rPr lang="en-CA" sz="2800" b="1" dirty="0" smtClean="0"/>
+                  <a:rPr lang="en-CA" sz="2800" b="1" dirty="0"/>
                   <a:t> (actual)</a:t>
                 </a:r>
-                <a:endParaRPr lang="en-CA" sz="2800" b="1" dirty="0"/>
               </a:p>
             </p:txBody>
           </p:sp>
         </mc:Choice>
-        <mc:Fallback>
+        <mc:Fallback xmlns="">
           <p:sp>
             <p:nvSpPr>
               <p:cNvPr id="12" name="TextBox 11"/>
@@ -11021,8 +10781,8 @@
           </p:sp>
         </mc:Fallback>
       </mc:AlternateContent>
-      <mc:AlternateContent xmlns:mc="http://schemas.openxmlformats.org/markup-compatibility/2006">
-        <mc:Choice xmlns:a14="http://schemas.microsoft.com/office/drawing/2010/main" Requires="a14">
+      <mc:AlternateContent xmlns:mc="http://schemas.openxmlformats.org/markup-compatibility/2006" xmlns:a14="http://schemas.microsoft.com/office/drawing/2010/main">
+        <mc:Choice Requires="a14">
           <p:sp>
             <p:nvSpPr>
               <p:cNvPr id="60" name="TextBox 59"/>
@@ -11087,15 +10847,14 @@
                   </m:oMath>
                 </a14:m>
                 <a:r>
-                  <a:rPr lang="en-CA" sz="2800" b="1" dirty="0" smtClean="0"/>
+                  <a:rPr lang="en-CA" sz="2800" b="1" dirty="0"/>
                   <a:t>(estimated/fitted)</a:t>
                 </a:r>
-                <a:endParaRPr lang="en-CA" sz="2800" b="1" dirty="0"/>
               </a:p>
             </p:txBody>
           </p:sp>
         </mc:Choice>
-        <mc:Fallback>
+        <mc:Fallback xmlns="">
           <p:sp>
             <p:nvSpPr>
               <p:cNvPr id="60" name="TextBox 59"/>
@@ -11582,8 +11341,8 @@
           </a:p>
         </p:txBody>
       </p:sp>
-      <mc:AlternateContent xmlns:mc="http://schemas.openxmlformats.org/markup-compatibility/2006">
-        <mc:Choice xmlns:a14="http://schemas.microsoft.com/office/drawing/2010/main" Requires="a14">
+      <mc:AlternateContent xmlns:mc="http://schemas.openxmlformats.org/markup-compatibility/2006" xmlns:a14="http://schemas.microsoft.com/office/drawing/2010/main">
+        <mc:Choice Requires="a14">
           <p:sp>
             <p:nvSpPr>
               <p:cNvPr id="2" name="Rectangle 1"/>
@@ -11626,7 +11385,7 @@
             </p:txBody>
           </p:sp>
         </mc:Choice>
-        <mc:Fallback>
+        <mc:Fallback xmlns="">
           <p:sp>
             <p:nvSpPr>
               <p:cNvPr id="2" name="Rectangle 1"/>
@@ -11702,15 +11461,7 @@
             </a:pPr>
             <a:r>
               <a:rPr lang="en-CA" sz="2000" dirty="0"/>
-              <a:t>T</a:t>
-            </a:r>
-            <a:r>
-              <a:rPr lang="en-CA" sz="2000" dirty="0" smtClean="0"/>
-              <a:t>he </a:t>
-            </a:r>
-            <a:r>
-              <a:rPr lang="en-CA" sz="2000" dirty="0"/>
-              <a:t>sum of the squares of the offsets (residuals) are used to estimate the best fit curve or line.</a:t>
+              <a:t>The sum of the squares of the offsets (residuals) are used to estimate the best fit curve or line.</a:t>
             </a:r>
           </a:p>
           <a:p>
@@ -12885,27 +12636,7 @@
           <a:p>
             <a:r>
               <a:rPr lang="en-CA" sz="2000" dirty="0"/>
-              <a:t>D</a:t>
-            </a:r>
-            <a:r>
-              <a:rPr lang="en-CA" sz="2000" dirty="0" smtClean="0"/>
-              <a:t>ata </a:t>
-            </a:r>
-            <a:r>
-              <a:rPr lang="en-CA" sz="2000" dirty="0"/>
-              <a:t>set is divided into </a:t>
-            </a:r>
-            <a:r>
-              <a:rPr lang="en-CA" sz="2000" dirty="0" smtClean="0"/>
-              <a:t>75%, </a:t>
-            </a:r>
-            <a:r>
-              <a:rPr lang="en-CA" sz="2000" dirty="0" smtClean="0"/>
-              <a:t>25% training and </a:t>
-            </a:r>
-            <a:r>
-              <a:rPr lang="en-CA" sz="2000" dirty="0"/>
-              <a:t>testing, respectively.</a:t>
+              <a:t>Data set is divided into 75%, 25% training and testing, respectively.</a:t>
             </a:r>
           </a:p>
           <a:p>
@@ -12914,14 +12645,13 @@
               <a:buChar char="o"/>
             </a:pPr>
             <a:r>
-              <a:rPr lang="en-CA" sz="2000" b="1" dirty="0" smtClean="0"/>
+              <a:rPr lang="en-CA" sz="2000" b="1" dirty="0"/>
               <a:t>Training set: </a:t>
             </a:r>
             <a:r>
-              <a:rPr lang="en-CA" sz="2000" dirty="0" smtClean="0"/>
+              <a:rPr lang="en-CA" sz="2000" dirty="0"/>
               <a:t>used for model training. </a:t>
             </a:r>
-            <a:endParaRPr lang="en-CA" sz="2000" dirty="0"/>
           </a:p>
           <a:p>
             <a:pPr lvl="1">
@@ -12929,16 +12659,12 @@
               <a:buChar char="o"/>
             </a:pPr>
             <a:r>
-              <a:rPr lang="en-CA" sz="2000" b="1" dirty="0" smtClean="0"/>
+              <a:rPr lang="en-CA" sz="2000" b="1" dirty="0"/>
               <a:t>Testing set: </a:t>
             </a:r>
             <a:r>
               <a:rPr lang="en-CA" sz="2000" dirty="0"/>
-              <a:t>used for testing trained </a:t>
-            </a:r>
-            <a:r>
-              <a:rPr lang="en-CA" sz="2000" dirty="0" smtClean="0"/>
-              <a:t>model. Make sure that the testing dataset has never been seen by the trained model before.</a:t>
+              <a:t>used for testing trained model. Make sure that the testing dataset has never been seen by the trained model before.</a:t>
             </a:r>
             <a:endParaRPr lang="en-US" sz="2000" dirty="0"/>
           </a:p>
@@ -13099,18 +12825,13 @@
           <a:lstStyle/>
           <a:p>
             <a:r>
-              <a:rPr lang="en-CA" b="1" dirty="0" smtClean="0">
+              <a:rPr lang="en-CA" b="1" dirty="0">
                 <a:solidFill>
                   <a:srgbClr val="FF0000"/>
                 </a:solidFill>
               </a:rPr>
               <a:t>100 SAMPLES</a:t>
             </a:r>
-            <a:endParaRPr lang="en-CA" b="1" dirty="0">
-              <a:solidFill>
-                <a:srgbClr val="FF0000"/>
-              </a:solidFill>
-            </a:endParaRPr>
           </a:p>
         </p:txBody>
       </p:sp>
@@ -13137,18 +12858,13 @@
           <a:lstStyle/>
           <a:p>
             <a:r>
-              <a:rPr lang="en-CA" b="1" dirty="0" smtClean="0">
+              <a:rPr lang="en-CA" b="1" dirty="0">
                 <a:solidFill>
                   <a:srgbClr val="FF0000"/>
                 </a:solidFill>
               </a:rPr>
               <a:t>75 TRAINING SAMPLES</a:t>
             </a:r>
-            <a:endParaRPr lang="en-CA" b="1" dirty="0">
-              <a:solidFill>
-                <a:srgbClr val="FF0000"/>
-              </a:solidFill>
-            </a:endParaRPr>
           </a:p>
         </p:txBody>
       </p:sp>
@@ -13175,18 +12891,13 @@
           <a:lstStyle/>
           <a:p>
             <a:r>
-              <a:rPr lang="en-CA" b="1" dirty="0" smtClean="0">
+              <a:rPr lang="en-CA" b="1" dirty="0">
                 <a:solidFill>
                   <a:srgbClr val="FF0000"/>
                 </a:solidFill>
               </a:rPr>
               <a:t>25 TESTING SAMPLES</a:t>
             </a:r>
-            <a:endParaRPr lang="en-CA" b="1" dirty="0">
-              <a:solidFill>
-                <a:srgbClr val="FF0000"/>
-              </a:solidFill>
-            </a:endParaRPr>
           </a:p>
         </p:txBody>
       </p:sp>
@@ -13235,7 +12946,7 @@
               <a:defRPr/>
             </a:pPr>
             <a:r>
-              <a:rPr lang="en-CA" sz="3200" dirty="0" smtClean="0">
+              <a:rPr lang="en-CA" sz="3200" dirty="0">
                 <a:solidFill>
                   <a:srgbClr val="5B9BD5">
                     <a:lumMod val="75000"/>
@@ -13246,7 +12957,7 @@
               <a:t>SIMPLE LINEAR REGRESSION: </a:t>
             </a:r>
             <a:r>
-              <a:rPr lang="en-CA" sz="3200" dirty="0" smtClean="0">
+              <a:rPr lang="en-CA" sz="3200" dirty="0">
                 <a:solidFill>
                   <a:srgbClr val="FF0000"/>
                 </a:solidFill>
@@ -13254,12 +12965,6 @@
               </a:rPr>
               <a:t>TRAINING VS. TESTING DATASET</a:t>
             </a:r>
-            <a:endParaRPr lang="en-CA" sz="3200" dirty="0">
-              <a:solidFill>
-                <a:srgbClr val="FF0000"/>
-              </a:solidFill>
-              <a:latin typeface="Calibri Light" panose="020F0302020204030204"/>
-            </a:endParaRPr>
           </a:p>
         </p:txBody>
       </p:sp>
@@ -13281,36 +12986,6 @@
           <a:xfrm>
             <a:off x="3438438" y="2690076"/>
             <a:ext cx="2219285" cy="3822606"/>
-          </a:xfrm>
-          <a:prstGeom prst="rect">
-            <a:avLst/>
-          </a:prstGeom>
-        </p:spPr>
-      </p:pic>
-      <p:pic>
-        <p:nvPicPr>
-          <p:cNvPr id="17" name="Picture 16"/>
-          <p:cNvPicPr>
-            <a:picLocks noChangeAspect="1"/>
-          </p:cNvPicPr>
-          <p:nvPr/>
-        </p:nvPicPr>
-        <p:blipFill>
-          <a:blip r:embed="rId4" cstate="print">
-            <a:extLst>
-              <a:ext uri="{28A0092B-C50C-407E-A947-70E740481C1C}">
-                <a14:useLocalDpi xmlns:a14="http://schemas.microsoft.com/office/drawing/2010/main" val="0"/>
-              </a:ext>
-            </a:extLst>
-          </a:blip>
-          <a:stretch>
-            <a:fillRect/>
-          </a:stretch>
-        </p:blipFill>
-        <p:spPr>
-          <a:xfrm>
-            <a:off x="10183836" y="46470"/>
-            <a:ext cx="1918332" cy="1172730"/>
           </a:xfrm>
           <a:prstGeom prst="rect">
             <a:avLst/>
